--- a/Poster/research_poster_template_1_(three column).pptx
+++ b/Poster/research_poster_template_1_(three column).pptx
@@ -404,7 +404,7 @@
           <a:p>
             <a:fld id="{ACC69483-2065-824C-9173-E1AF42207651}" type="datetimeFigureOut">
               <a:rPr lang="en-US" smtClean="0"/>
-              <a:t>4/19/2025</a:t>
+              <a:t>7/25/2025</a:t>
             </a:fld>
             <a:endParaRPr lang="en-US"/>
           </a:p>
@@ -614,7 +614,7 @@
           <a:p>
             <a:fld id="{ACC69483-2065-824C-9173-E1AF42207651}" type="datetimeFigureOut">
               <a:rPr lang="en-US" smtClean="0"/>
-              <a:t>4/19/2025</a:t>
+              <a:t>7/25/2025</a:t>
             </a:fld>
             <a:endParaRPr lang="en-US"/>
           </a:p>
@@ -824,7 +824,7 @@
           <a:p>
             <a:fld id="{ACC69483-2065-824C-9173-E1AF42207651}" type="datetimeFigureOut">
               <a:rPr lang="en-US" smtClean="0"/>
-              <a:t>4/19/2025</a:t>
+              <a:t>7/25/2025</a:t>
             </a:fld>
             <a:endParaRPr lang="en-US"/>
           </a:p>
@@ -1034,7 +1034,7 @@
           <a:p>
             <a:fld id="{ACC69483-2065-824C-9173-E1AF42207651}" type="datetimeFigureOut">
               <a:rPr lang="en-US" smtClean="0"/>
-              <a:t>4/19/2025</a:t>
+              <a:t>7/25/2025</a:t>
             </a:fld>
             <a:endParaRPr lang="en-US"/>
           </a:p>
@@ -1308,7 +1308,7 @@
           <a:p>
             <a:fld id="{ACC69483-2065-824C-9173-E1AF42207651}" type="datetimeFigureOut">
               <a:rPr lang="en-US" smtClean="0"/>
-              <a:t>4/19/2025</a:t>
+              <a:t>7/25/2025</a:t>
             </a:fld>
             <a:endParaRPr lang="en-US"/>
           </a:p>
@@ -1578,7 +1578,7 @@
           <a:p>
             <a:fld id="{ACC69483-2065-824C-9173-E1AF42207651}" type="datetimeFigureOut">
               <a:rPr lang="en-US" smtClean="0"/>
-              <a:t>4/19/2025</a:t>
+              <a:t>7/25/2025</a:t>
             </a:fld>
             <a:endParaRPr lang="en-US"/>
           </a:p>
@@ -1984,7 +1984,7 @@
           <a:p>
             <a:fld id="{ACC69483-2065-824C-9173-E1AF42207651}" type="datetimeFigureOut">
               <a:rPr lang="en-US" smtClean="0"/>
-              <a:t>4/19/2025</a:t>
+              <a:t>7/25/2025</a:t>
             </a:fld>
             <a:endParaRPr lang="en-US"/>
           </a:p>
@@ -2134,7 +2134,7 @@
           <a:p>
             <a:fld id="{ACC69483-2065-824C-9173-E1AF42207651}" type="datetimeFigureOut">
               <a:rPr lang="en-US" smtClean="0"/>
-              <a:t>4/19/2025</a:t>
+              <a:t>7/25/2025</a:t>
             </a:fld>
             <a:endParaRPr lang="en-US"/>
           </a:p>
@@ -2253,7 +2253,7 @@
           <a:p>
             <a:fld id="{ACC69483-2065-824C-9173-E1AF42207651}" type="datetimeFigureOut">
               <a:rPr lang="en-US" smtClean="0"/>
-              <a:t>4/19/2025</a:t>
+              <a:t>7/25/2025</a:t>
             </a:fld>
             <a:endParaRPr lang="en-US"/>
           </a:p>
@@ -2563,7 +2563,7 @@
           <a:p>
             <a:fld id="{ACC69483-2065-824C-9173-E1AF42207651}" type="datetimeFigureOut">
               <a:rPr lang="en-US" smtClean="0"/>
-              <a:t>4/19/2025</a:t>
+              <a:t>7/25/2025</a:t>
             </a:fld>
             <a:endParaRPr lang="en-US"/>
           </a:p>
@@ -2853,7 +2853,7 @@
           <a:p>
             <a:fld id="{ACC69483-2065-824C-9173-E1AF42207651}" type="datetimeFigureOut">
               <a:rPr lang="en-US" smtClean="0"/>
-              <a:t>4/19/2025</a:t>
+              <a:t>7/25/2025</a:t>
             </a:fld>
             <a:endParaRPr lang="en-US"/>
           </a:p>
@@ -4339,62 +4339,12 @@
           </a:prstGeom>
         </p:spPr>
       </p:pic>
-      <p:sp>
-        <p:nvSpPr>
-          <p:cNvPr id="3" name="Rectangle 23">
+      <p:pic>
+        <p:nvPicPr>
+          <p:cNvPr id="7" name="Picture 6">
             <a:extLst>
               <a:ext uri="{FF2B5EF4-FFF2-40B4-BE49-F238E27FC236}">
-                <a16:creationId xmlns:a16="http://schemas.microsoft.com/office/drawing/2014/main" id="{9B8553E6-CFF1-2F94-8758-1F9FDD8438EE}"/>
-              </a:ext>
-            </a:extLst>
-          </p:cNvPr>
-          <p:cNvSpPr>
-            <a:spLocks noChangeArrowheads="1"/>
-          </p:cNvSpPr>
-          <p:nvPr/>
-        </p:nvSpPr>
-        <p:spPr bwMode="auto">
-          <a:xfrm>
-            <a:off x="1313945" y="29912453"/>
-            <a:ext cx="21487062" cy="4062651"/>
-          </a:xfrm>
-          <a:prstGeom prst="rect">
-            <a:avLst/>
-          </a:prstGeom>
-          <a:noFill/>
-          <a:ln w="57150" cmpd="thinThick">
-            <a:noFill/>
-            <a:miter lim="800000"/>
-            <a:headEnd/>
-            <a:tailEnd/>
-          </a:ln>
-          <a:effectLst/>
-        </p:spPr>
-        <p:txBody>
-          <a:bodyPr wrap="square" lIns="0" tIns="182880" rIns="0" bIns="0">
-            <a:noAutofit/>
-          </a:bodyPr>
-          <a:lstStyle/>
-          <a:p>
-            <a:r>
-              <a:rPr lang="en-US" altLang="en-US" sz="2400" dirty="0">
-                <a:solidFill>
-                  <a:schemeClr val="bg1"/>
-                </a:solidFill>
-                <a:latin typeface="Arial" panose="020B0604020202020204" pitchFamily="34" charset="0"/>
-                <a:cs typeface="Arial" panose="020B0604020202020204" pitchFamily="34" charset="0"/>
-              </a:rPr>
-              <a:t>This material is based upon work supported by the Air Force Office of Scientific Research (AFOSR), United States through award no. FA9550-21-1-0083 and no. FA9550-21-1-0082. This work is also partly supported by the National Science Foundation, United States grant numbers 1850012, 1937535, and 1956071. Any opinions, findings, and conclusions or recommendations expressed in this material are those of the authors and do not necessarily reflect the views of the National Science Foundation or the United States Air Force.</a:t>
-            </a:r>
-          </a:p>
-        </p:txBody>
-      </p:sp>
-      <p:pic>
-        <p:nvPicPr>
-          <p:cNvPr id="1030" name="Picture 6">
-            <a:extLst>
-              <a:ext uri="{FF2B5EF4-FFF2-40B4-BE49-F238E27FC236}">
-                <a16:creationId xmlns:a16="http://schemas.microsoft.com/office/drawing/2014/main" id="{15651E99-81D4-FDF7-7994-1DFF69792042}"/>
+                <a16:creationId xmlns:a16="http://schemas.microsoft.com/office/drawing/2014/main" id="{3F94B03E-9BA9-E5E3-3416-47A5C3F5A6DE}"/>
               </a:ext>
             </a:extLst>
           </p:cNvPr>
@@ -4418,7 +4368,7 @@
         </p:blipFill>
         <p:spPr bwMode="auto">
           <a:xfrm>
-            <a:off x="23412572" y="30012724"/>
+            <a:off x="21852820" y="29860642"/>
             <a:ext cx="1865191" cy="1874940"/>
           </a:xfrm>
           <a:prstGeom prst="rect">
@@ -4438,10 +4388,10 @@
       </p:pic>
       <p:pic>
         <p:nvPicPr>
-          <p:cNvPr id="1032" name="Picture 8" descr="AFOSR, Air Force Office of Scientific Research - YouTube">
+          <p:cNvPr id="8" name="Picture 7" descr="AFOSR, Air Force Office of Scientific Research - YouTube">
             <a:extLst>
               <a:ext uri="{FF2B5EF4-FFF2-40B4-BE49-F238E27FC236}">
-                <a16:creationId xmlns:a16="http://schemas.microsoft.com/office/drawing/2014/main" id="{103461DA-170E-A353-0600-04AE1BB54F17}"/>
+                <a16:creationId xmlns:a16="http://schemas.microsoft.com/office/drawing/2014/main" id="{D9420802-11CE-0469-960E-5F8F22911062}"/>
               </a:ext>
             </a:extLst>
           </p:cNvPr>
@@ -4465,8 +4415,8 @@
         </p:blipFill>
         <p:spPr bwMode="auto">
           <a:xfrm>
-            <a:off x="25707181" y="30012724"/>
-            <a:ext cx="1865191" cy="1865191"/>
+            <a:off x="23813369" y="30023865"/>
+            <a:ext cx="1801618" cy="1801618"/>
           </a:xfrm>
           <a:prstGeom prst="ellipse">
             <a:avLst/>
@@ -4483,6 +4433,287 @@
           </a:extLst>
         </p:spPr>
       </p:pic>
+      <p:pic>
+        <p:nvPicPr>
+          <p:cNvPr id="9" name="Picture 6">
+            <a:extLst>
+              <a:ext uri="{FF2B5EF4-FFF2-40B4-BE49-F238E27FC236}">
+                <a16:creationId xmlns:a16="http://schemas.microsoft.com/office/drawing/2014/main" id="{0E2174F5-E546-8982-A646-8BF1029661EF}"/>
+              </a:ext>
+            </a:extLst>
+          </p:cNvPr>
+          <p:cNvPicPr>
+            <a:picLocks noChangeAspect="1" noChangeArrowheads="1"/>
+          </p:cNvPicPr>
+          <p:nvPr/>
+        </p:nvPicPr>
+        <p:blipFill>
+          <a:blip r:embed="rId7">
+            <a:extLst>
+              <a:ext uri="{28A0092B-C50C-407E-A947-70E740481C1C}">
+                <a14:useLocalDpi xmlns:a14="http://schemas.microsoft.com/office/drawing/2010/main" val="0"/>
+              </a:ext>
+            </a:extLst>
+          </a:blip>
+          <a:srcRect/>
+          <a:stretch>
+            <a:fillRect/>
+          </a:stretch>
+        </p:blipFill>
+        <p:spPr bwMode="auto">
+          <a:xfrm>
+            <a:off x="17999158" y="29927970"/>
+            <a:ext cx="3786226" cy="1726435"/>
+          </a:xfrm>
+          <a:prstGeom prst="rect">
+            <a:avLst/>
+          </a:prstGeom>
+          <a:noFill/>
+          <a:extLst>
+            <a:ext uri="{909E8E84-426E-40DD-AFC4-6F175D3DCCD1}">
+              <a14:hiddenFill xmlns:a14="http://schemas.microsoft.com/office/drawing/2010/main">
+                <a:solidFill>
+                  <a:srgbClr val="FFFFFF"/>
+                </a:solidFill>
+              </a14:hiddenFill>
+            </a:ext>
+          </a:extLst>
+        </p:spPr>
+      </p:pic>
+      <p:pic>
+        <p:nvPicPr>
+          <p:cNvPr id="10" name="Picture 8">
+            <a:extLst>
+              <a:ext uri="{FF2B5EF4-FFF2-40B4-BE49-F238E27FC236}">
+                <a16:creationId xmlns:a16="http://schemas.microsoft.com/office/drawing/2014/main" id="{EF71572A-70D6-2A50-1CAE-A26161CC8F8E}"/>
+              </a:ext>
+            </a:extLst>
+          </p:cNvPr>
+          <p:cNvPicPr>
+            <a:picLocks noChangeAspect="1" noChangeArrowheads="1"/>
+          </p:cNvPicPr>
+          <p:nvPr/>
+        </p:nvPicPr>
+        <p:blipFill>
+          <a:blip r:embed="rId8">
+            <a:extLst>
+              <a:ext uri="{28A0092B-C50C-407E-A947-70E740481C1C}">
+                <a14:useLocalDpi xmlns:a14="http://schemas.microsoft.com/office/drawing/2010/main" val="0"/>
+              </a:ext>
+            </a:extLst>
+          </a:blip>
+          <a:srcRect/>
+          <a:stretch>
+            <a:fillRect/>
+          </a:stretch>
+        </p:blipFill>
+        <p:spPr bwMode="auto">
+          <a:xfrm>
+            <a:off x="25855736" y="30002975"/>
+            <a:ext cx="1801618" cy="1801618"/>
+          </a:xfrm>
+          <a:prstGeom prst="rect">
+            <a:avLst/>
+          </a:prstGeom>
+          <a:noFill/>
+          <a:extLst>
+            <a:ext uri="{909E8E84-426E-40DD-AFC4-6F175D3DCCD1}">
+              <a14:hiddenFill xmlns:a14="http://schemas.microsoft.com/office/drawing/2010/main">
+                <a:solidFill>
+                  <a:srgbClr val="FFFFFF"/>
+                </a:solidFill>
+              </a14:hiddenFill>
+            </a:ext>
+          </a:extLst>
+        </p:spPr>
+      </p:pic>
+      <p:pic>
+        <p:nvPicPr>
+          <p:cNvPr id="11" name="Picture 10" descr="A logo with a red and white circle&#10;&#10;AI-generated content may be incorrect.">
+            <a:extLst>
+              <a:ext uri="{FF2B5EF4-FFF2-40B4-BE49-F238E27FC236}">
+                <a16:creationId xmlns:a16="http://schemas.microsoft.com/office/drawing/2014/main" id="{ED23A0DC-8935-752A-FFCE-5ECA561D5142}"/>
+              </a:ext>
+            </a:extLst>
+          </p:cNvPr>
+          <p:cNvPicPr>
+            <a:picLocks noChangeAspect="1"/>
+          </p:cNvPicPr>
+          <p:nvPr/>
+        </p:nvPicPr>
+        <p:blipFill>
+          <a:blip r:embed="rId9"/>
+          <a:stretch>
+            <a:fillRect/>
+          </a:stretch>
+        </p:blipFill>
+        <p:spPr>
+          <a:xfrm>
+            <a:off x="11315459" y="29802383"/>
+            <a:ext cx="2448312" cy="2189417"/>
+          </a:xfrm>
+          <a:prstGeom prst="rect">
+            <a:avLst/>
+          </a:prstGeom>
+        </p:spPr>
+      </p:pic>
+      <p:pic>
+        <p:nvPicPr>
+          <p:cNvPr id="13" name="Picture 12" descr="A black and white logo&#10;&#10;AI-generated content may be incorrect.">
+            <a:extLst>
+              <a:ext uri="{FF2B5EF4-FFF2-40B4-BE49-F238E27FC236}">
+                <a16:creationId xmlns:a16="http://schemas.microsoft.com/office/drawing/2014/main" id="{FA01A85A-1E31-8B35-FF3E-35A8E0D814CF}"/>
+              </a:ext>
+            </a:extLst>
+          </p:cNvPr>
+          <p:cNvPicPr>
+            <a:picLocks noChangeAspect="1"/>
+          </p:cNvPicPr>
+          <p:nvPr/>
+        </p:nvPicPr>
+        <p:blipFill>
+          <a:blip r:embed="rId10"/>
+          <a:stretch>
+            <a:fillRect/>
+          </a:stretch>
+        </p:blipFill>
+        <p:spPr>
+          <a:xfrm>
+            <a:off x="13683590" y="30015538"/>
+            <a:ext cx="4260895" cy="1937472"/>
+          </a:xfrm>
+          <a:prstGeom prst="rect">
+            <a:avLst/>
+          </a:prstGeom>
+        </p:spPr>
+      </p:pic>
+      <p:pic>
+        <p:nvPicPr>
+          <p:cNvPr id="14" name="Picture 13" descr="A blue and grey logo&#10;&#10;AI-generated content may be incorrect.">
+            <a:extLst>
+              <a:ext uri="{FF2B5EF4-FFF2-40B4-BE49-F238E27FC236}">
+                <a16:creationId xmlns:a16="http://schemas.microsoft.com/office/drawing/2014/main" id="{A85764BF-4FF0-C5DE-4A5C-66713984E44E}"/>
+              </a:ext>
+            </a:extLst>
+          </p:cNvPr>
+          <p:cNvPicPr>
+            <a:picLocks noChangeAspect="1"/>
+          </p:cNvPicPr>
+          <p:nvPr/>
+        </p:nvPicPr>
+        <p:blipFill>
+          <a:blip r:embed="rId11"/>
+          <a:stretch>
+            <a:fillRect/>
+          </a:stretch>
+        </p:blipFill>
+        <p:spPr>
+          <a:xfrm>
+            <a:off x="27966853" y="30058600"/>
+            <a:ext cx="5159945" cy="1676982"/>
+          </a:xfrm>
+          <a:prstGeom prst="rect">
+            <a:avLst/>
+          </a:prstGeom>
+        </p:spPr>
+      </p:pic>
+      <p:pic>
+        <p:nvPicPr>
+          <p:cNvPr id="15" name="Picture 2" descr="SC Space Grant Consortium">
+            <a:extLst>
+              <a:ext uri="{FF2B5EF4-FFF2-40B4-BE49-F238E27FC236}">
+                <a16:creationId xmlns:a16="http://schemas.microsoft.com/office/drawing/2014/main" id="{B8851308-F6C2-5621-F4AC-D224C46E4224}"/>
+              </a:ext>
+            </a:extLst>
+          </p:cNvPr>
+          <p:cNvPicPr>
+            <a:picLocks noChangeAspect="1" noChangeArrowheads="1"/>
+          </p:cNvPicPr>
+          <p:nvPr/>
+        </p:nvPicPr>
+        <p:blipFill>
+          <a:blip r:embed="rId12">
+            <a:extLst>
+              <a:ext uri="{28A0092B-C50C-407E-A947-70E740481C1C}">
+                <a14:useLocalDpi xmlns:a14="http://schemas.microsoft.com/office/drawing/2010/main" val="0"/>
+              </a:ext>
+            </a:extLst>
+          </a:blip>
+          <a:srcRect/>
+          <a:stretch>
+            <a:fillRect/>
+          </a:stretch>
+        </p:blipFill>
+        <p:spPr bwMode="auto">
+          <a:xfrm>
+            <a:off x="9524033" y="29861564"/>
+            <a:ext cx="1757708" cy="1963919"/>
+          </a:xfrm>
+          <a:prstGeom prst="rect">
+            <a:avLst/>
+          </a:prstGeom>
+          <a:noFill/>
+          <a:extLst>
+            <a:ext uri="{909E8E84-426E-40DD-AFC4-6F175D3DCCD1}">
+              <a14:hiddenFill xmlns:a14="http://schemas.microsoft.com/office/drawing/2010/main">
+                <a:solidFill>
+                  <a:srgbClr val="FFFFFF"/>
+                </a:solidFill>
+              </a14:hiddenFill>
+            </a:ext>
+          </a:extLst>
+        </p:spPr>
+      </p:pic>
+      <p:sp>
+        <p:nvSpPr>
+          <p:cNvPr id="16" name="Rectangle 23">
+            <a:extLst>
+              <a:ext uri="{FF2B5EF4-FFF2-40B4-BE49-F238E27FC236}">
+                <a16:creationId xmlns:a16="http://schemas.microsoft.com/office/drawing/2014/main" id="{3D4C5B6B-AC9D-7F76-C6AE-9AF96E74220A}"/>
+              </a:ext>
+            </a:extLst>
+          </p:cNvPr>
+          <p:cNvSpPr>
+            <a:spLocks noChangeArrowheads="1"/>
+          </p:cNvSpPr>
+          <p:nvPr/>
+        </p:nvSpPr>
+        <p:spPr bwMode="auto">
+          <a:xfrm>
+            <a:off x="1313945" y="29912453"/>
+            <a:ext cx="8134855" cy="4062651"/>
+          </a:xfrm>
+          <a:prstGeom prst="rect">
+            <a:avLst/>
+          </a:prstGeom>
+          <a:noFill/>
+          <a:ln w="57150" cmpd="thinThick">
+            <a:noFill/>
+            <a:miter lim="800000"/>
+            <a:headEnd/>
+            <a:tailEnd/>
+          </a:ln>
+          <a:effectLst/>
+        </p:spPr>
+        <p:txBody>
+          <a:bodyPr wrap="square" lIns="0" tIns="182880" rIns="0" bIns="0">
+            <a:noAutofit/>
+          </a:bodyPr>
+          <a:lstStyle/>
+          <a:p>
+            <a:r>
+              <a:rPr lang="en-US" altLang="en-US" sz="2400" dirty="0">
+                <a:solidFill>
+                  <a:schemeClr val="bg1"/>
+                </a:solidFill>
+                <a:latin typeface="Arial" panose="020B0604020202020204" pitchFamily="34" charset="0"/>
+                <a:cs typeface="Arial" panose="020B0604020202020204" pitchFamily="34" charset="0"/>
+              </a:rPr>
+              <a:t>This material is based upon work supported by the … [Reach out to Dr. Downey and he will get you the propter text for this. Only use the logos at the right that are mentioned, delete the non-relevant logos from your poster.].</a:t>
+            </a:r>
+          </a:p>
+        </p:txBody>
+      </p:sp>
     </p:spTree>
     <p:extLst>
       <p:ext uri="{BB962C8B-B14F-4D97-AF65-F5344CB8AC3E}">

--- a/Poster/research_poster_template_1_(three column).pptx
+++ b/Poster/research_poster_template_1_(three column).pptx
@@ -223,7 +223,6 @@
         <ac:context len="23" hash="2040931051"/>
       </ac:txMk>
     </ac:txMkLst>
-    <p188:pos x="11259530" y="934717"/>
     <p188:txBody>
       <a:bodyPr/>
       <a:lstStyle/>
@@ -244,7 +243,6 @@
         <ac:context len="39" hash="1952923300"/>
       </ac:txMk>
     </ac:txMkLst>
-    <p188:pos x="27089100" y="962525"/>
     <p188:txBody>
       <a:bodyPr/>
       <a:lstStyle/>
@@ -404,7 +402,7 @@
           <a:p>
             <a:fld id="{ACC69483-2065-824C-9173-E1AF42207651}" type="datetimeFigureOut">
               <a:rPr lang="en-US" smtClean="0"/>
-              <a:t>7/25/2025</a:t>
+              <a:t>7/28/2025</a:t>
             </a:fld>
             <a:endParaRPr lang="en-US"/>
           </a:p>
@@ -614,7 +612,7 @@
           <a:p>
             <a:fld id="{ACC69483-2065-824C-9173-E1AF42207651}" type="datetimeFigureOut">
               <a:rPr lang="en-US" smtClean="0"/>
-              <a:t>7/25/2025</a:t>
+              <a:t>7/28/2025</a:t>
             </a:fld>
             <a:endParaRPr lang="en-US"/>
           </a:p>
@@ -824,7 +822,7 @@
           <a:p>
             <a:fld id="{ACC69483-2065-824C-9173-E1AF42207651}" type="datetimeFigureOut">
               <a:rPr lang="en-US" smtClean="0"/>
-              <a:t>7/25/2025</a:t>
+              <a:t>7/28/2025</a:t>
             </a:fld>
             <a:endParaRPr lang="en-US"/>
           </a:p>
@@ -1034,7 +1032,7 @@
           <a:p>
             <a:fld id="{ACC69483-2065-824C-9173-E1AF42207651}" type="datetimeFigureOut">
               <a:rPr lang="en-US" smtClean="0"/>
-              <a:t>7/25/2025</a:t>
+              <a:t>7/28/2025</a:t>
             </a:fld>
             <a:endParaRPr lang="en-US"/>
           </a:p>
@@ -1308,7 +1306,7 @@
           <a:p>
             <a:fld id="{ACC69483-2065-824C-9173-E1AF42207651}" type="datetimeFigureOut">
               <a:rPr lang="en-US" smtClean="0"/>
-              <a:t>7/25/2025</a:t>
+              <a:t>7/28/2025</a:t>
             </a:fld>
             <a:endParaRPr lang="en-US"/>
           </a:p>
@@ -1578,7 +1576,7 @@
           <a:p>
             <a:fld id="{ACC69483-2065-824C-9173-E1AF42207651}" type="datetimeFigureOut">
               <a:rPr lang="en-US" smtClean="0"/>
-              <a:t>7/25/2025</a:t>
+              <a:t>7/28/2025</a:t>
             </a:fld>
             <a:endParaRPr lang="en-US"/>
           </a:p>
@@ -1984,7 +1982,7 @@
           <a:p>
             <a:fld id="{ACC69483-2065-824C-9173-E1AF42207651}" type="datetimeFigureOut">
               <a:rPr lang="en-US" smtClean="0"/>
-              <a:t>7/25/2025</a:t>
+              <a:t>7/28/2025</a:t>
             </a:fld>
             <a:endParaRPr lang="en-US"/>
           </a:p>
@@ -2134,7 +2132,7 @@
           <a:p>
             <a:fld id="{ACC69483-2065-824C-9173-E1AF42207651}" type="datetimeFigureOut">
               <a:rPr lang="en-US" smtClean="0"/>
-              <a:t>7/25/2025</a:t>
+              <a:t>7/28/2025</a:t>
             </a:fld>
             <a:endParaRPr lang="en-US"/>
           </a:p>
@@ -2253,7 +2251,7 @@
           <a:p>
             <a:fld id="{ACC69483-2065-824C-9173-E1AF42207651}" type="datetimeFigureOut">
               <a:rPr lang="en-US" smtClean="0"/>
-              <a:t>7/25/2025</a:t>
+              <a:t>7/28/2025</a:t>
             </a:fld>
             <a:endParaRPr lang="en-US"/>
           </a:p>
@@ -2563,7 +2561,7 @@
           <a:p>
             <a:fld id="{ACC69483-2065-824C-9173-E1AF42207651}" type="datetimeFigureOut">
               <a:rPr lang="en-US" smtClean="0"/>
-              <a:t>7/25/2025</a:t>
+              <a:t>7/28/2025</a:t>
             </a:fld>
             <a:endParaRPr lang="en-US"/>
           </a:p>
@@ -2853,7 +2851,7 @@
           <a:p>
             <a:fld id="{ACC69483-2065-824C-9173-E1AF42207651}" type="datetimeFigureOut">
               <a:rPr lang="en-US" smtClean="0"/>
-              <a:t>7/25/2025</a:t>
+              <a:t>7/28/2025</a:t>
             </a:fld>
             <a:endParaRPr lang="en-US"/>
           </a:p>
@@ -3309,124 +3307,6 @@
       </p:sp>
       <p:sp>
         <p:nvSpPr>
-          <p:cNvPr id="4" name="TextBox 3">
-            <a:extLst>
-              <a:ext uri="{FF2B5EF4-FFF2-40B4-BE49-F238E27FC236}">
-                <a16:creationId xmlns:a16="http://schemas.microsoft.com/office/drawing/2014/main" id="{93C257EE-FCD4-294D-AE06-F5633E1F25B6}"/>
-              </a:ext>
-            </a:extLst>
-          </p:cNvPr>
-          <p:cNvSpPr txBox="1"/>
-          <p:nvPr/>
-        </p:nvSpPr>
-        <p:spPr>
-          <a:xfrm>
-            <a:off x="1066800" y="866275"/>
-            <a:ext cx="40714842" cy="1862048"/>
-          </a:xfrm>
-          <a:prstGeom prst="rect">
-            <a:avLst/>
-          </a:prstGeom>
-          <a:noFill/>
-        </p:spPr>
-        <p:txBody>
-          <a:bodyPr wrap="square" rtlCol="0">
-            <a:spAutoFit/>
-          </a:bodyPr>
-          <a:lstStyle/>
-          <a:p>
-            <a:r>
-              <a:rPr lang="en-US" sz="11500" b="1" i="0" dirty="0">
-                <a:latin typeface="Arial" panose="020B0604020202020204" pitchFamily="34" charset="0"/>
-                <a:cs typeface="Arial" panose="020B0604020202020204" pitchFamily="34" charset="0"/>
-              </a:rPr>
-              <a:t>Research Poster: Title of Presentation</a:t>
-            </a:r>
-          </a:p>
-        </p:txBody>
-      </p:sp>
-      <p:sp>
-        <p:nvSpPr>
-          <p:cNvPr id="5" name="TextBox 4">
-            <a:extLst>
-              <a:ext uri="{FF2B5EF4-FFF2-40B4-BE49-F238E27FC236}">
-                <a16:creationId xmlns:a16="http://schemas.microsoft.com/office/drawing/2014/main" id="{DBD19AEC-90D1-684D-8E09-0A535CA5A724}"/>
-              </a:ext>
-            </a:extLst>
-          </p:cNvPr>
-          <p:cNvSpPr txBox="1"/>
-          <p:nvPr/>
-        </p:nvSpPr>
-        <p:spPr>
-          <a:xfrm>
-            <a:off x="1122970" y="2989583"/>
-            <a:ext cx="40714842" cy="1323439"/>
-          </a:xfrm>
-          <a:prstGeom prst="rect">
-            <a:avLst/>
-          </a:prstGeom>
-          <a:noFill/>
-        </p:spPr>
-        <p:txBody>
-          <a:bodyPr wrap="square" rtlCol="0">
-            <a:spAutoFit/>
-          </a:bodyPr>
-          <a:lstStyle/>
-          <a:p>
-            <a:r>
-              <a:rPr lang="en-US" sz="8000" b="0" i="0" dirty="0">
-                <a:latin typeface="Arial" panose="020B0604020202020204" pitchFamily="34" charset="0"/>
-                <a:cs typeface="Arial" panose="020B0604020202020204" pitchFamily="34" charset="0"/>
-              </a:rPr>
-              <a:t>Authors and Co-authors</a:t>
-            </a:r>
-          </a:p>
-        </p:txBody>
-      </p:sp>
-      <p:sp>
-        <p:nvSpPr>
-          <p:cNvPr id="20" name="TextBox 19">
-            <a:extLst>
-              <a:ext uri="{FF2B5EF4-FFF2-40B4-BE49-F238E27FC236}">
-                <a16:creationId xmlns:a16="http://schemas.microsoft.com/office/drawing/2014/main" id="{62A8B05F-180E-F947-A226-9D05D72C2278}"/>
-              </a:ext>
-            </a:extLst>
-          </p:cNvPr>
-          <p:cNvSpPr txBox="1"/>
-          <p:nvPr/>
-        </p:nvSpPr>
-        <p:spPr>
-          <a:xfrm>
-            <a:off x="1181351" y="4272875"/>
-            <a:ext cx="28490779" cy="707886"/>
-          </a:xfrm>
-          <a:prstGeom prst="rect">
-            <a:avLst/>
-          </a:prstGeom>
-          <a:noFill/>
-        </p:spPr>
-        <p:txBody>
-          <a:bodyPr wrap="square" rtlCol="0">
-            <a:spAutoFit/>
-          </a:bodyPr>
-          <a:lstStyle/>
-          <a:p>
-            <a:r>
-              <a:rPr lang="en-US" sz="4000" dirty="0">
-                <a:latin typeface="Arial" panose="020B0604020202020204" pitchFamily="34" charset="0"/>
-                <a:cs typeface="Arial" panose="020B0604020202020204" pitchFamily="34" charset="0"/>
-              </a:rPr>
-              <a:t>University of South Carolina, affiliations for other authors</a:t>
-            </a:r>
-            <a:endParaRPr lang="en-US" sz="4000" b="0" i="0" dirty="0">
-              <a:latin typeface="Arial" panose="020B0604020202020204" pitchFamily="34" charset="0"/>
-              <a:cs typeface="Arial" panose="020B0604020202020204" pitchFamily="34" charset="0"/>
-            </a:endParaRPr>
-          </a:p>
-        </p:txBody>
-      </p:sp>
-      <p:sp>
-        <p:nvSpPr>
           <p:cNvPr id="38" name="TextBox 37">
             <a:extLst>
               <a:ext uri="{FF2B5EF4-FFF2-40B4-BE49-F238E27FC236}">
@@ -4714,6 +4594,186 @@
           </a:p>
         </p:txBody>
       </p:sp>
+      <p:sp>
+        <p:nvSpPr>
+          <p:cNvPr id="17" name="TextBox 16">
+            <a:extLst>
+              <a:ext uri="{FF2B5EF4-FFF2-40B4-BE49-F238E27FC236}">
+                <a16:creationId xmlns:a16="http://schemas.microsoft.com/office/drawing/2014/main" id="{9236B807-A475-245A-25E7-2F053A827C7F}"/>
+              </a:ext>
+            </a:extLst>
+          </p:cNvPr>
+          <p:cNvSpPr txBox="1"/>
+          <p:nvPr/>
+        </p:nvSpPr>
+        <p:spPr>
+          <a:xfrm>
+            <a:off x="1066800" y="866275"/>
+            <a:ext cx="40714842" cy="1862048"/>
+          </a:xfrm>
+          <a:prstGeom prst="rect">
+            <a:avLst/>
+          </a:prstGeom>
+          <a:noFill/>
+        </p:spPr>
+        <p:txBody>
+          <a:bodyPr wrap="square" rtlCol="0">
+            <a:spAutoFit/>
+          </a:bodyPr>
+          <a:lstStyle/>
+          <a:p>
+            <a:r>
+              <a:rPr lang="en-US" sz="11500" b="1" i="0" dirty="0">
+                <a:latin typeface="Arial" panose="020B0604020202020204" pitchFamily="34" charset="0"/>
+                <a:cs typeface="Arial" panose="020B0604020202020204" pitchFamily="34" charset="0"/>
+              </a:rPr>
+              <a:t>Research Poster: Title of Presentation</a:t>
+            </a:r>
+          </a:p>
+        </p:txBody>
+      </p:sp>
+      <p:sp>
+        <p:nvSpPr>
+          <p:cNvPr id="18" name="TextBox 17">
+            <a:extLst>
+              <a:ext uri="{FF2B5EF4-FFF2-40B4-BE49-F238E27FC236}">
+                <a16:creationId xmlns:a16="http://schemas.microsoft.com/office/drawing/2014/main" id="{AB797042-067C-7688-399E-0C382FC82B9C}"/>
+              </a:ext>
+            </a:extLst>
+          </p:cNvPr>
+          <p:cNvSpPr txBox="1"/>
+          <p:nvPr/>
+        </p:nvSpPr>
+        <p:spPr>
+          <a:xfrm>
+            <a:off x="1122970" y="2663013"/>
+            <a:ext cx="40714842" cy="1323439"/>
+          </a:xfrm>
+          <a:prstGeom prst="rect">
+            <a:avLst/>
+          </a:prstGeom>
+          <a:noFill/>
+        </p:spPr>
+        <p:txBody>
+          <a:bodyPr wrap="square" rtlCol="0">
+            <a:spAutoFit/>
+          </a:bodyPr>
+          <a:lstStyle/>
+          <a:p>
+            <a:r>
+              <a:rPr lang="en-US" sz="8000" b="0" i="0" dirty="0">
+                <a:latin typeface="Arial" panose="020B0604020202020204" pitchFamily="34" charset="0"/>
+                <a:cs typeface="Arial" panose="020B0604020202020204" pitchFamily="34" charset="0"/>
+              </a:rPr>
+              <a:t>Author A, Author B, and Austin R.J. Downey</a:t>
+            </a:r>
+            <a:r>
+              <a:rPr lang="en-US" sz="8000" b="0" i="0" baseline="30000" dirty="0">
+                <a:latin typeface="Arial" panose="020B0604020202020204" pitchFamily="34" charset="0"/>
+                <a:cs typeface="Arial" panose="020B0604020202020204" pitchFamily="34" charset="0"/>
+              </a:rPr>
+              <a:t>1,2</a:t>
+            </a:r>
+          </a:p>
+        </p:txBody>
+      </p:sp>
+      <p:sp>
+        <p:nvSpPr>
+          <p:cNvPr id="19" name="TextBox 18">
+            <a:extLst>
+              <a:ext uri="{FF2B5EF4-FFF2-40B4-BE49-F238E27FC236}">
+                <a16:creationId xmlns:a16="http://schemas.microsoft.com/office/drawing/2014/main" id="{EFAD2418-CB87-2DAD-6DB1-8E6C135FAA1C}"/>
+              </a:ext>
+            </a:extLst>
+          </p:cNvPr>
+          <p:cNvSpPr txBox="1"/>
+          <p:nvPr/>
+        </p:nvSpPr>
+        <p:spPr>
+          <a:xfrm>
+            <a:off x="1181351" y="3946305"/>
+            <a:ext cx="28490779" cy="1938992"/>
+          </a:xfrm>
+          <a:prstGeom prst="rect">
+            <a:avLst/>
+          </a:prstGeom>
+          <a:noFill/>
+        </p:spPr>
+        <p:txBody>
+          <a:bodyPr wrap="square" rtlCol="0">
+            <a:spAutoFit/>
+          </a:bodyPr>
+          <a:lstStyle/>
+          <a:p>
+            <a:r>
+              <a:rPr lang="en-US" sz="4000" baseline="30000" dirty="0">
+                <a:latin typeface="Arial" panose="020B0604020202020204" pitchFamily="34" charset="0"/>
+                <a:cs typeface="Arial" panose="020B0604020202020204" pitchFamily="34" charset="0"/>
+              </a:rPr>
+              <a:t>1</a:t>
+            </a:r>
+            <a:r>
+              <a:rPr lang="en-US" sz="4000" dirty="0">
+                <a:latin typeface="Arial" panose="020B0604020202020204" pitchFamily="34" charset="0"/>
+                <a:cs typeface="Arial" panose="020B0604020202020204" pitchFamily="34" charset="0"/>
+              </a:rPr>
+              <a:t>Department of Mechanical Engineering, University of South Carolina</a:t>
+            </a:r>
+          </a:p>
+          <a:p>
+            <a:r>
+              <a:rPr lang="en-US" sz="4000" baseline="30000" dirty="0">
+                <a:latin typeface="Arial" panose="020B0604020202020204" pitchFamily="34" charset="0"/>
+                <a:cs typeface="Arial" panose="020B0604020202020204" pitchFamily="34" charset="0"/>
+              </a:rPr>
+              <a:t>2</a:t>
+            </a:r>
+            <a:r>
+              <a:rPr lang="en-US" sz="4000" dirty="0">
+                <a:latin typeface="Arial" panose="020B0604020202020204" pitchFamily="34" charset="0"/>
+                <a:cs typeface="Arial" panose="020B0604020202020204" pitchFamily="34" charset="0"/>
+              </a:rPr>
+              <a:t>Department of Civil and Environmental Engineering, University of South Carolina</a:t>
+            </a:r>
+          </a:p>
+          <a:p>
+            <a:endParaRPr lang="en-US" sz="4000" b="0" i="0" dirty="0">
+              <a:latin typeface="Arial" panose="020B0604020202020204" pitchFamily="34" charset="0"/>
+              <a:cs typeface="Arial" panose="020B0604020202020204" pitchFamily="34" charset="0"/>
+            </a:endParaRPr>
+          </a:p>
+        </p:txBody>
+      </p:sp>
+      <p:pic>
+        <p:nvPicPr>
+          <p:cNvPr id="21" name="Picture 20" descr="A black and white logo&#10;&#10;AI-generated content may be incorrect.">
+            <a:extLst>
+              <a:ext uri="{FF2B5EF4-FFF2-40B4-BE49-F238E27FC236}">
+                <a16:creationId xmlns:a16="http://schemas.microsoft.com/office/drawing/2014/main" id="{D475B446-F85F-5039-C6DB-4F8EBBEE70F8}"/>
+              </a:ext>
+            </a:extLst>
+          </p:cNvPr>
+          <p:cNvPicPr>
+            <a:picLocks noChangeAspect="1"/>
+          </p:cNvPicPr>
+          <p:nvPr/>
+        </p:nvPicPr>
+        <p:blipFill>
+          <a:blip r:embed="rId13"/>
+          <a:stretch>
+            <a:fillRect/>
+          </a:stretch>
+        </p:blipFill>
+        <p:spPr>
+          <a:xfrm>
+            <a:off x="33498760" y="1846941"/>
+            <a:ext cx="8397433" cy="2700928"/>
+          </a:xfrm>
+          <a:prstGeom prst="rect">
+            <a:avLst/>
+          </a:prstGeom>
+        </p:spPr>
+      </p:pic>
     </p:spTree>
     <p:extLst>
       <p:ext uri="{BB962C8B-B14F-4D97-AF65-F5344CB8AC3E}">
